--- a/ppt_final.pptx
+++ b/ppt_final.pptx
@@ -1574,7 +1574,7 @@
           <a:p>
             <a:fld id="{51216450-872D-4325-93B7-BB011CCCEB87}" type="datetimeFigureOut">
               <a:rPr lang="en-US" smtClean="0"/>
-              <a:t>6/14/2019</a:t>
+              <a:t>6/15/2019</a:t>
             </a:fld>
             <a:endParaRPr lang="en-US"/>
           </a:p>
@@ -1846,7 +1846,7 @@
           <a:p>
             <a:fld id="{51216450-872D-4325-93B7-BB011CCCEB87}" type="datetimeFigureOut">
               <a:rPr lang="en-US" smtClean="0"/>
-              <a:t>6/14/2019</a:t>
+              <a:t>6/15/2019</a:t>
             </a:fld>
             <a:endParaRPr lang="en-US"/>
           </a:p>
@@ -2091,7 +2091,7 @@
           <a:p>
             <a:fld id="{51216450-872D-4325-93B7-BB011CCCEB87}" type="datetimeFigureOut">
               <a:rPr lang="en-US" smtClean="0"/>
-              <a:t>6/14/2019</a:t>
+              <a:t>6/15/2019</a:t>
             </a:fld>
             <a:endParaRPr lang="en-US"/>
           </a:p>
@@ -2704,7 +2704,7 @@
           <a:p>
             <a:fld id="{51216450-872D-4325-93B7-BB011CCCEB87}" type="datetimeFigureOut">
               <a:rPr lang="en-US" smtClean="0"/>
-              <a:t>6/14/2019</a:t>
+              <a:t>6/15/2019</a:t>
             </a:fld>
             <a:endParaRPr lang="en-US"/>
           </a:p>
@@ -3021,7 +3021,7 @@
           <a:p>
             <a:fld id="{51216450-872D-4325-93B7-BB011CCCEB87}" type="datetimeFigureOut">
               <a:rPr lang="en-US" smtClean="0"/>
-              <a:t>6/14/2019</a:t>
+              <a:t>6/15/2019</a:t>
             </a:fld>
             <a:endParaRPr lang="en-US"/>
           </a:p>
@@ -3333,7 +3333,7 @@
           <a:p>
             <a:fld id="{51216450-872D-4325-93B7-BB011CCCEB87}" type="datetimeFigureOut">
               <a:rPr lang="en-US" smtClean="0"/>
-              <a:t>6/14/2019</a:t>
+              <a:t>6/15/2019</a:t>
             </a:fld>
             <a:endParaRPr lang="en-US"/>
           </a:p>
@@ -3765,7 +3765,7 @@
           <a:p>
             <a:fld id="{51216450-872D-4325-93B7-BB011CCCEB87}" type="datetimeFigureOut">
               <a:rPr lang="en-US" smtClean="0"/>
-              <a:t>6/14/2019</a:t>
+              <a:t>6/15/2019</a:t>
             </a:fld>
             <a:endParaRPr lang="en-US"/>
           </a:p>
@@ -3937,7 +3937,7 @@
           <a:p>
             <a:fld id="{51216450-872D-4325-93B7-BB011CCCEB87}" type="datetimeFigureOut">
               <a:rPr lang="en-US" smtClean="0"/>
-              <a:t>6/14/2019</a:t>
+              <a:t>6/15/2019</a:t>
             </a:fld>
             <a:endParaRPr lang="en-US"/>
           </a:p>
@@ -4042,7 +4042,7 @@
           <a:p>
             <a:fld id="{51216450-872D-4325-93B7-BB011CCCEB87}" type="datetimeFigureOut">
               <a:rPr lang="en-US" smtClean="0"/>
-              <a:t>6/14/2019</a:t>
+              <a:t>6/15/2019</a:t>
             </a:fld>
             <a:endParaRPr lang="en-US"/>
           </a:p>
@@ -4429,7 +4429,7 @@
           <a:p>
             <a:fld id="{51216450-872D-4325-93B7-BB011CCCEB87}" type="datetimeFigureOut">
               <a:rPr lang="en-US" smtClean="0"/>
-              <a:t>6/14/2019</a:t>
+              <a:t>6/15/2019</a:t>
             </a:fld>
             <a:endParaRPr lang="en-US"/>
           </a:p>
@@ -4728,7 +4728,7 @@
           <a:p>
             <a:fld id="{51216450-872D-4325-93B7-BB011CCCEB87}" type="datetimeFigureOut">
               <a:rPr lang="en-US" smtClean="0"/>
-              <a:t>6/14/2019</a:t>
+              <a:t>6/15/2019</a:t>
             </a:fld>
             <a:endParaRPr lang="en-US"/>
           </a:p>
@@ -4949,7 +4949,7 @@
           <a:p>
             <a:fld id="{51216450-872D-4325-93B7-BB011CCCEB87}" type="datetimeFigureOut">
               <a:rPr lang="en-US" smtClean="0"/>
-              <a:t>6/14/2019</a:t>
+              <a:t>6/15/2019</a:t>
             </a:fld>
             <a:endParaRPr lang="en-US"/>
           </a:p>
@@ -5724,7 +5724,7 @@
         </p:nvSpPr>
         <p:spPr>
           <a:xfrm>
-            <a:off x="553485" y="352378"/>
+            <a:off x="810660" y="357141"/>
             <a:ext cx="7038900" cy="730792"/>
           </a:xfrm>
           <a:prstGeom prst="rect">
@@ -5752,7 +5752,7 @@
                   <a:schemeClr val="accent1"/>
                 </a:solidFill>
               </a:rPr>
-              <a:t>conclusion</a:t>
+              <a:t>Conclusion</a:t>
             </a:r>
             <a:endParaRPr dirty="0">
               <a:solidFill>
@@ -5774,7 +5774,7 @@
         </p:nvSpPr>
         <p:spPr>
           <a:xfrm>
-            <a:off x="670182" y="1340363"/>
+            <a:off x="641784" y="1202251"/>
             <a:ext cx="7860432" cy="3697356"/>
           </a:xfrm>
           <a:prstGeom prst="rect">
@@ -6000,20 +6000,8 @@
             </a:pPr>
             <a:r>
               <a:rPr lang="en-US" sz="1600" dirty="0"/>
-              <a:t>As we expected to see some correlation between people income or profession as well, the datasets didn’t show much of correlation. However, given the fact that the datasets were by states, not by cities, if we dug data into cities, we may find some relevance between variables. And eventually answer to a question like “is there a correlation between the population of a city and the number of FFR?</a:t>
-            </a:r>
-            <a:endParaRPr lang="en" sz="1600" dirty="0"/>
-          </a:p>
-          <a:p>
-            <a:pPr marL="0" lvl="0" indent="0" algn="l" rtl="0">
-              <a:spcBef>
-                <a:spcPts val="1600"/>
-              </a:spcBef>
-              <a:spcAft>
-                <a:spcPts val="1600"/>
-              </a:spcAft>
-              <a:buNone/>
-            </a:pPr>
+              <a:t>As we expected to see some correlation between income or profession as well, the data sets didn’t show correlations. However, given the fact that the data sets were by states, not by cities, if we dug data deeper into cities, we may find some relevance between variables.  </a:t>
+            </a:r>
             <a:endParaRPr sz="1400" dirty="0"/>
           </a:p>
         </p:txBody>
@@ -6257,7 +6245,7 @@
             </a:pPr>
             <a:r>
               <a:rPr lang="en" sz="1800" dirty="0"/>
-              <a:t>Our project is to uncover patterns and trends between fast food restaurants and census data. We will examine the correlation and relationship between most popular fast food restaurants and demographic data such as professions, poverty rate, and unemployment rate.</a:t>
+              <a:t>Our project is to discover patterns and trends between fast food restaurants and census data. We will examine the correlation and relationship between most popular fast food restaurants and demographic data such as professions, poverty rate, and unemployment rate.</a:t>
             </a:r>
           </a:p>
           <a:p>
@@ -6323,7 +6311,15 @@
             </a:r>
             <a:r>
               <a:rPr lang="en-US" sz="1800" dirty="0"/>
-              <a:t>Food America (CSV file , Kaggle)</a:t>
+              <a:t>Food America (CSV file , </a:t>
+            </a:r>
+            <a:r>
+              <a:rPr lang="en-US" sz="1800" dirty="0" err="1"/>
+              <a:t>Datafitini’s</a:t>
+            </a:r>
+            <a:r>
+              <a:rPr lang="en-US" sz="1800" dirty="0"/>
+              <a:t> Business Database)</a:t>
             </a:r>
           </a:p>
           <a:p>
@@ -6669,7 +6665,7 @@
         </p:blipFill>
         <p:spPr>
           <a:xfrm>
-            <a:off x="1101942" y="729639"/>
+            <a:off x="1092417" y="629627"/>
             <a:ext cx="6667500" cy="4286250"/>
           </a:xfrm>
           <a:prstGeom prst="rect">
@@ -6747,7 +6743,7 @@
         </p:nvSpPr>
         <p:spPr>
           <a:xfrm>
-            <a:off x="2179982" y="4137281"/>
+            <a:off x="1841845" y="4075369"/>
             <a:ext cx="1567544" cy="732657"/>
           </a:xfrm>
           <a:prstGeom prst="roundRect">
@@ -7073,7 +7069,7 @@
         </p:blipFill>
         <p:spPr>
           <a:xfrm>
-            <a:off x="1077538" y="533919"/>
+            <a:off x="1005494" y="728451"/>
             <a:ext cx="6667500" cy="4286250"/>
           </a:xfrm>
           <a:prstGeom prst="rect">
@@ -7095,7 +7091,7 @@
         </p:nvSpPr>
         <p:spPr>
           <a:xfrm>
-            <a:off x="1005494" y="2505248"/>
+            <a:off x="776894" y="2571750"/>
             <a:ext cx="1567544" cy="732657"/>
           </a:xfrm>
           <a:prstGeom prst="roundRect">
@@ -7156,7 +7152,7 @@
         </p:nvSpPr>
         <p:spPr>
           <a:xfrm>
-            <a:off x="3962054" y="3304407"/>
+            <a:off x="4000154" y="3633019"/>
             <a:ext cx="1567544" cy="732657"/>
           </a:xfrm>
           <a:prstGeom prst="roundRect">
